--- a/CheckingAppBehaviourPresentation-Mehmet.pptx
+++ b/CheckingAppBehaviourPresentation-Mehmet.pptx
@@ -5,7 +5,7 @@
     <p:sldMasterId id="2147483672" r:id="rId1"/>
   </p:sldMasterIdLst>
   <p:notesMasterIdLst>
-    <p:notesMasterId r:id="rId17"/>
+    <p:notesMasterId r:id="rId18"/>
   </p:notesMasterIdLst>
   <p:sldIdLst>
     <p:sldId id="270" r:id="rId2"/>
@@ -18,11 +18,12 @@
     <p:sldId id="285" r:id="rId9"/>
     <p:sldId id="288" r:id="rId10"/>
     <p:sldId id="290" r:id="rId11"/>
-    <p:sldId id="291" r:id="rId12"/>
-    <p:sldId id="289" r:id="rId13"/>
-    <p:sldId id="293" r:id="rId14"/>
-    <p:sldId id="292" r:id="rId15"/>
-    <p:sldId id="277" r:id="rId16"/>
+    <p:sldId id="294" r:id="rId12"/>
+    <p:sldId id="291" r:id="rId13"/>
+    <p:sldId id="289" r:id="rId14"/>
+    <p:sldId id="293" r:id="rId15"/>
+    <p:sldId id="292" r:id="rId16"/>
+    <p:sldId id="277" r:id="rId17"/>
   </p:sldIdLst>
   <p:sldSz cx="12192000" cy="6858000"/>
   <p:notesSz cx="6858000" cy="9144000"/>
@@ -125,6 +126,9 @@
     <p:ext uri="{EFAFB233-063F-42B5-8137-9DF3F51BA10A}">
       <p15:sldGuideLst xmlns:p15="http://schemas.microsoft.com/office/powerpoint/2012/main"/>
     </p:ext>
+    <p:ext uri="{2D200454-40CA-4A62-9FC3-DE9A4176ACB9}">
+      <p15:notesGuideLst xmlns:p15="http://schemas.microsoft.com/office/powerpoint/2012/main"/>
+    </p:ext>
   </p:extLst>
 </p:presentation>
 </file>
@@ -132,7 +136,7 @@
 <file path=ppt/revisionInfo.xml><?xml version="1.0" encoding="utf-8"?>
 <p1510:revInfo xmlns:a="http://schemas.openxmlformats.org/drawingml/2006/main" xmlns:r="http://schemas.openxmlformats.org/officeDocument/2006/relationships" xmlns:p1510="http://schemas.microsoft.com/office/powerpoint/2015/10/main">
   <p1510:revLst>
-    <p1510:client id="{BE806BC9-E6BC-4FB2-9580-C87804E0EC9F}" v="1039" dt="2018-11-19T01:14:02.105"/>
+    <p1510:client id="{BE806BC9-E6BC-4FB2-9580-C87804E0EC9F}" v="1049" dt="2018-11-20T01:27:09.141"/>
   </p1510:revLst>
 </p1510:revInfo>
 </file>
@@ -929,7 +933,7 @@
   <pc:docChgLst>
     <pc:chgData name="Mehmet Demir" userId="8aeb60c9-8010-4491-9710-a4e50247be4f" providerId="ADAL" clId="{BE806BC9-E6BC-4FB2-9580-C87804E0EC9F}"/>
     <pc:docChg chg="undo custSel addSld delSld modSld sldOrd">
-      <pc:chgData name="Mehmet Demir" userId="8aeb60c9-8010-4491-9710-a4e50247be4f" providerId="ADAL" clId="{BE806BC9-E6BC-4FB2-9580-C87804E0EC9F}" dt="2018-11-19T01:29:53.222" v="4118" actId="313"/>
+      <pc:chgData name="Mehmet Demir" userId="8aeb60c9-8010-4491-9710-a4e50247be4f" providerId="ADAL" clId="{BE806BC9-E6BC-4FB2-9580-C87804E0EC9F}" dt="2018-11-20T01:28:26.912" v="4250" actId="20577"/>
       <pc:docMkLst>
         <pc:docMk/>
       </pc:docMkLst>
@@ -1082,7 +1086,7 @@
         </pc:spChg>
       </pc:sldChg>
       <pc:sldChg chg="addSp delSp modSp">
-        <pc:chgData name="Mehmet Demir" userId="8aeb60c9-8010-4491-9710-a4e50247be4f" providerId="ADAL" clId="{BE806BC9-E6BC-4FB2-9580-C87804E0EC9F}" dt="2018-11-19T01:25:30.813" v="3980" actId="20577"/>
+        <pc:chgData name="Mehmet Demir" userId="8aeb60c9-8010-4491-9710-a4e50247be4f" providerId="ADAL" clId="{BE806BC9-E6BC-4FB2-9580-C87804E0EC9F}" dt="2018-11-20T01:19:49.190" v="4121" actId="404"/>
         <pc:sldMkLst>
           <pc:docMk/>
           <pc:sldMk cId="2610876023" sldId="282"/>
@@ -1096,7 +1100,7 @@
           </ac:spMkLst>
         </pc:spChg>
         <pc:spChg chg="mod">
-          <ac:chgData name="Mehmet Demir" userId="8aeb60c9-8010-4491-9710-a4e50247be4f" providerId="ADAL" clId="{BE806BC9-E6BC-4FB2-9580-C87804E0EC9F}" dt="2018-11-19T01:25:21.376" v="3970" actId="1076"/>
+          <ac:chgData name="Mehmet Demir" userId="8aeb60c9-8010-4491-9710-a4e50247be4f" providerId="ADAL" clId="{BE806BC9-E6BC-4FB2-9580-C87804E0EC9F}" dt="2018-11-20T01:19:49.190" v="4121" actId="404"/>
           <ac:spMkLst>
             <pc:docMk/>
             <pc:sldMk cId="2610876023" sldId="282"/>
@@ -1159,15 +1163,8 @@
           </ac:picMkLst>
         </pc:picChg>
       </pc:sldChg>
-      <pc:sldChg chg="del">
-        <pc:chgData name="Mehmet Demir" userId="8aeb60c9-8010-4491-9710-a4e50247be4f" providerId="ADAL" clId="{BE806BC9-E6BC-4FB2-9580-C87804E0EC9F}" dt="2018-11-18T18:44:26.353" v="303" actId="2696"/>
-        <pc:sldMkLst>
-          <pc:docMk/>
-          <pc:sldMk cId="3031606232" sldId="284"/>
-        </pc:sldMkLst>
-      </pc:sldChg>
       <pc:sldChg chg="addSp delSp modSp add">
-        <pc:chgData name="Mehmet Demir" userId="8aeb60c9-8010-4491-9710-a4e50247be4f" providerId="ADAL" clId="{BE806BC9-E6BC-4FB2-9580-C87804E0EC9F}" dt="2018-11-18T19:01:24.532" v="794" actId="478"/>
+        <pc:chgData name="Mehmet Demir" userId="8aeb60c9-8010-4491-9710-a4e50247be4f" providerId="ADAL" clId="{BE806BC9-E6BC-4FB2-9580-C87804E0EC9F}" dt="2018-11-20T01:22:30.297" v="4129" actId="167"/>
         <pc:sldMkLst>
           <pc:docMk/>
           <pc:sldMk cId="3190774061" sldId="284"/>
@@ -1204,6 +1201,22 @@
             <ac:spMk id="10" creationId="{89074198-8800-4DC5-8CB2-8BB132E5F384}"/>
           </ac:spMkLst>
         </pc:spChg>
+        <pc:picChg chg="add mod">
+          <ac:chgData name="Mehmet Demir" userId="8aeb60c9-8010-4491-9710-a4e50247be4f" providerId="ADAL" clId="{BE806BC9-E6BC-4FB2-9580-C87804E0EC9F}" dt="2018-11-20T01:22:07.648" v="4124" actId="14100"/>
+          <ac:picMkLst>
+            <pc:docMk/>
+            <pc:sldMk cId="3190774061" sldId="284"/>
+            <ac:picMk id="2" creationId="{7FD42FA5-60D7-4C7A-962B-DAD923E90CE6}"/>
+          </ac:picMkLst>
+        </pc:picChg>
+        <pc:picChg chg="add mod ord">
+          <ac:chgData name="Mehmet Demir" userId="8aeb60c9-8010-4491-9710-a4e50247be4f" providerId="ADAL" clId="{BE806BC9-E6BC-4FB2-9580-C87804E0EC9F}" dt="2018-11-20T01:22:30.297" v="4129" actId="167"/>
+          <ac:picMkLst>
+            <pc:docMk/>
+            <pc:sldMk cId="3190774061" sldId="284"/>
+            <ac:picMk id="3" creationId="{7DC04B4E-7F36-41B7-ACDD-6D4169399C52}"/>
+          </ac:picMkLst>
+        </pc:picChg>
         <pc:picChg chg="add mod">
           <ac:chgData name="Mehmet Demir" userId="8aeb60c9-8010-4491-9710-a4e50247be4f" providerId="ADAL" clId="{BE806BC9-E6BC-4FB2-9580-C87804E0EC9F}" dt="2018-11-18T19:00:50.983" v="779" actId="1076"/>
           <ac:picMkLst>
@@ -1251,20 +1264,6 @@
             <ac:picMk id="5" creationId="{8865E409-447E-410C-AF63-17636E5A5C9E}"/>
           </ac:picMkLst>
         </pc:picChg>
-      </pc:sldChg>
-      <pc:sldChg chg="del">
-        <pc:chgData name="Mehmet Demir" userId="8aeb60c9-8010-4491-9710-a4e50247be4f" providerId="ADAL" clId="{BE806BC9-E6BC-4FB2-9580-C87804E0EC9F}" dt="2018-11-18T18:44:26.349" v="302" actId="2696"/>
-        <pc:sldMkLst>
-          <pc:docMk/>
-          <pc:sldMk cId="4212773542" sldId="285"/>
-        </pc:sldMkLst>
-      </pc:sldChg>
-      <pc:sldChg chg="del">
-        <pc:chgData name="Mehmet Demir" userId="8aeb60c9-8010-4491-9710-a4e50247be4f" providerId="ADAL" clId="{BE806BC9-E6BC-4FB2-9580-C87804E0EC9F}" dt="2018-11-18T18:44:26.341" v="301" actId="2696"/>
-        <pc:sldMkLst>
-          <pc:docMk/>
-          <pc:sldMk cId="3820580582" sldId="286"/>
-        </pc:sldMkLst>
       </pc:sldChg>
       <pc:sldChg chg="addSp delSp modSp add">
         <pc:chgData name="Mehmet Demir" userId="8aeb60c9-8010-4491-9710-a4e50247be4f" providerId="ADAL" clId="{BE806BC9-E6BC-4FB2-9580-C87804E0EC9F}" dt="2018-11-18T20:18:01.084" v="1376" actId="20577"/>
@@ -1326,13 +1325,6 @@
         <pc:sldMkLst>
           <pc:docMk/>
           <pc:sldMk cId="239511597" sldId="287"/>
-        </pc:sldMkLst>
-      </pc:sldChg>
-      <pc:sldChg chg="del">
-        <pc:chgData name="Mehmet Demir" userId="8aeb60c9-8010-4491-9710-a4e50247be4f" providerId="ADAL" clId="{BE806BC9-E6BC-4FB2-9580-C87804E0EC9F}" dt="2018-11-18T18:44:26.333" v="300" actId="2696"/>
-        <pc:sldMkLst>
-          <pc:docMk/>
-          <pc:sldMk cId="4268677852" sldId="287"/>
         </pc:sldMkLst>
       </pc:sldChg>
       <pc:sldChg chg="modSp add ord">
@@ -1538,7 +1530,7 @@
         </pc:spChg>
       </pc:sldChg>
       <pc:sldChg chg="modSp add">
-        <pc:chgData name="Mehmet Demir" userId="8aeb60c9-8010-4491-9710-a4e50247be4f" providerId="ADAL" clId="{BE806BC9-E6BC-4FB2-9580-C87804E0EC9F}" dt="2018-11-19T01:22:25.146" v="3846" actId="20577"/>
+        <pc:chgData name="Mehmet Demir" userId="8aeb60c9-8010-4491-9710-a4e50247be4f" providerId="ADAL" clId="{BE806BC9-E6BC-4FB2-9580-C87804E0EC9F}" dt="2018-11-20T01:28:26.912" v="4250" actId="20577"/>
         <pc:sldMkLst>
           <pc:docMk/>
           <pc:sldMk cId="1984835790" sldId="293"/>
@@ -1552,13 +1544,100 @@
           </ac:spMkLst>
         </pc:spChg>
         <pc:spChg chg="mod">
-          <ac:chgData name="Mehmet Demir" userId="8aeb60c9-8010-4491-9710-a4e50247be4f" providerId="ADAL" clId="{BE806BC9-E6BC-4FB2-9580-C87804E0EC9F}" dt="2018-11-19T01:22:25.146" v="3846" actId="20577"/>
+          <ac:chgData name="Mehmet Demir" userId="8aeb60c9-8010-4491-9710-a4e50247be4f" providerId="ADAL" clId="{BE806BC9-E6BC-4FB2-9580-C87804E0EC9F}" dt="2018-11-20T01:28:26.912" v="4250" actId="20577"/>
           <ac:spMkLst>
             <pc:docMk/>
             <pc:sldMk cId="1984835790" sldId="293"/>
             <ac:spMk id="3" creationId="{9C446264-F983-44C0-8726-57F4F0A8E1C6}"/>
           </ac:spMkLst>
         </pc:spChg>
+      </pc:sldChg>
+      <pc:sldChg chg="addSp delSp modSp add">
+        <pc:chgData name="Mehmet Demir" userId="8aeb60c9-8010-4491-9710-a4e50247be4f" providerId="ADAL" clId="{BE806BC9-E6BC-4FB2-9580-C87804E0EC9F}" dt="2018-11-20T01:27:32.574" v="4249" actId="1076"/>
+        <pc:sldMkLst>
+          <pc:docMk/>
+          <pc:sldMk cId="3790777841" sldId="294"/>
+        </pc:sldMkLst>
+        <pc:spChg chg="del">
+          <ac:chgData name="Mehmet Demir" userId="8aeb60c9-8010-4491-9710-a4e50247be4f" providerId="ADAL" clId="{BE806BC9-E6BC-4FB2-9580-C87804E0EC9F}" dt="2018-11-20T01:23:42.691" v="4132" actId="478"/>
+          <ac:spMkLst>
+            <pc:docMk/>
+            <pc:sldMk cId="3790777841" sldId="294"/>
+            <ac:spMk id="8" creationId="{97E1769C-2569-4971-877B-139EB934EB87}"/>
+          </ac:spMkLst>
+        </pc:spChg>
+        <pc:spChg chg="del">
+          <ac:chgData name="Mehmet Demir" userId="8aeb60c9-8010-4491-9710-a4e50247be4f" providerId="ADAL" clId="{BE806BC9-E6BC-4FB2-9580-C87804E0EC9F}" dt="2018-11-20T01:23:42.691" v="4132" actId="478"/>
+          <ac:spMkLst>
+            <pc:docMk/>
+            <pc:sldMk cId="3790777841" sldId="294"/>
+            <ac:spMk id="9" creationId="{0E0948AC-78D0-44F4-A887-3335D7EAE3EE}"/>
+          </ac:spMkLst>
+        </pc:spChg>
+        <pc:spChg chg="del">
+          <ac:chgData name="Mehmet Demir" userId="8aeb60c9-8010-4491-9710-a4e50247be4f" providerId="ADAL" clId="{BE806BC9-E6BC-4FB2-9580-C87804E0EC9F}" dt="2018-11-20T01:23:42.691" v="4132" actId="478"/>
+          <ac:spMkLst>
+            <pc:docMk/>
+            <pc:sldMk cId="3790777841" sldId="294"/>
+            <ac:spMk id="10" creationId="{AFE5E42A-F22C-4A5F-AD59-98519FB0A9FF}"/>
+          </ac:spMkLst>
+        </pc:spChg>
+        <pc:spChg chg="add del mod">
+          <ac:chgData name="Mehmet Demir" userId="8aeb60c9-8010-4491-9710-a4e50247be4f" providerId="ADAL" clId="{BE806BC9-E6BC-4FB2-9580-C87804E0EC9F}" dt="2018-11-20T01:27:27.120" v="4248" actId="1076"/>
+          <ac:spMkLst>
+            <pc:docMk/>
+            <pc:sldMk cId="3790777841" sldId="294"/>
+            <ac:spMk id="12" creationId="{778133D7-EC15-49E3-ACF1-C18DB9C8BDA4}"/>
+          </ac:spMkLst>
+        </pc:spChg>
+        <pc:spChg chg="add mod">
+          <ac:chgData name="Mehmet Demir" userId="8aeb60c9-8010-4491-9710-a4e50247be4f" providerId="ADAL" clId="{BE806BC9-E6BC-4FB2-9580-C87804E0EC9F}" dt="2018-11-20T01:27:32.574" v="4249" actId="1076"/>
+          <ac:spMkLst>
+            <pc:docMk/>
+            <pc:sldMk cId="3790777841" sldId="294"/>
+            <ac:spMk id="13" creationId="{DB5DD844-3126-4C62-8376-DBA19225EAAC}"/>
+          </ac:spMkLst>
+        </pc:spChg>
+        <pc:graphicFrameChg chg="del">
+          <ac:chgData name="Mehmet Demir" userId="8aeb60c9-8010-4491-9710-a4e50247be4f" providerId="ADAL" clId="{BE806BC9-E6BC-4FB2-9580-C87804E0EC9F}" dt="2018-11-20T01:23:38.743" v="4131" actId="478"/>
+          <ac:graphicFrameMkLst>
+            <pc:docMk/>
+            <pc:sldMk cId="3790777841" sldId="294"/>
+            <ac:graphicFrameMk id="7" creationId="{2495364C-0193-43D4-963B-1D605CAD7B46}"/>
+          </ac:graphicFrameMkLst>
+        </pc:graphicFrameChg>
+        <pc:picChg chg="add del mod">
+          <ac:chgData name="Mehmet Demir" userId="8aeb60c9-8010-4491-9710-a4e50247be4f" providerId="ADAL" clId="{BE806BC9-E6BC-4FB2-9580-C87804E0EC9F}" dt="2018-11-20T01:24:04.558" v="4139"/>
+          <ac:picMkLst>
+            <pc:docMk/>
+            <pc:sldMk cId="3790777841" sldId="294"/>
+            <ac:picMk id="3" creationId="{10D44BD9-5C47-446B-A78F-10FE73A4E6B2}"/>
+          </ac:picMkLst>
+        </pc:picChg>
+        <pc:picChg chg="add mod">
+          <ac:chgData name="Mehmet Demir" userId="8aeb60c9-8010-4491-9710-a4e50247be4f" providerId="ADAL" clId="{BE806BC9-E6BC-4FB2-9580-C87804E0EC9F}" dt="2018-11-20T01:25:43.343" v="4196" actId="14100"/>
+          <ac:picMkLst>
+            <pc:docMk/>
+            <pc:sldMk cId="3790777841" sldId="294"/>
+            <ac:picMk id="5" creationId="{88BA46BE-4C8B-43F8-9537-D68619C68777}"/>
+          </ac:picMkLst>
+        </pc:picChg>
+        <pc:picChg chg="add mod">
+          <ac:chgData name="Mehmet Demir" userId="8aeb60c9-8010-4491-9710-a4e50247be4f" providerId="ADAL" clId="{BE806BC9-E6BC-4FB2-9580-C87804E0EC9F}" dt="2018-11-20T01:25:36.418" v="4193" actId="14100"/>
+          <ac:picMkLst>
+            <pc:docMk/>
+            <pc:sldMk cId="3790777841" sldId="294"/>
+            <ac:picMk id="6" creationId="{FEAE0231-8C90-4EFB-976C-D209E79E389D}"/>
+          </ac:picMkLst>
+        </pc:picChg>
+        <pc:picChg chg="add mod">
+          <ac:chgData name="Mehmet Demir" userId="8aeb60c9-8010-4491-9710-a4e50247be4f" providerId="ADAL" clId="{BE806BC9-E6BC-4FB2-9580-C87804E0EC9F}" dt="2018-11-20T01:27:22.365" v="4247" actId="1076"/>
+          <ac:picMkLst>
+            <pc:docMk/>
+            <pc:sldMk cId="3790777841" sldId="294"/>
+            <ac:picMk id="11" creationId="{E2001ABB-1EE4-4FA8-B8D7-AACE3413DD84}"/>
+          </ac:picMkLst>
+        </pc:picChg>
       </pc:sldChg>
     </pc:docChg>
   </pc:docChgLst>
@@ -15732,7 +15811,7 @@
           <a:p>
             <a:fld id="{849D84E0-D1F2-4823-87D9-F832A9CA0689}" type="datetimeFigureOut">
               <a:rPr lang="en-CA" smtClean="0"/>
-              <a:t>2018-11-18</a:t>
+              <a:t>2018-11-19</a:t>
             </a:fld>
             <a:endParaRPr lang="en-CA"/>
           </a:p>
@@ -16514,6 +16593,94 @@
     </p:spTree>
     <p:extLst>
       <p:ext uri="{BB962C8B-B14F-4D97-AF65-F5344CB8AC3E}">
+        <p14:creationId xmlns:p14="http://schemas.microsoft.com/office/powerpoint/2010/main" val="3455777524"/>
+      </p:ext>
+    </p:extLst>
+  </p:cSld>
+  <p:clrMapOvr>
+    <a:masterClrMapping/>
+  </p:clrMapOvr>
+</p:notes>
+</file>
+
+<file path=ppt/notesSlides/notesSlide7.xml><?xml version="1.0" encoding="utf-8"?>
+<p:notes xmlns:a="http://schemas.openxmlformats.org/drawingml/2006/main" xmlns:r="http://schemas.openxmlformats.org/officeDocument/2006/relationships" xmlns:p="http://schemas.openxmlformats.org/presentationml/2006/main">
+  <p:cSld>
+    <p:spTree>
+      <p:nvGrpSpPr>
+        <p:cNvPr id="1" name=""/>
+        <p:cNvGrpSpPr/>
+        <p:nvPr/>
+      </p:nvGrpSpPr>
+      <p:grpSpPr>
+        <a:xfrm>
+          <a:off x="0" y="0"/>
+          <a:ext cx="0" cy="0"/>
+          <a:chOff x="0" y="0"/>
+          <a:chExt cx="0" cy="0"/>
+        </a:xfrm>
+      </p:grpSpPr>
+      <p:sp>
+        <p:nvSpPr>
+          <p:cNvPr id="2" name="Slide Image Placeholder 1"/>
+          <p:cNvSpPr>
+            <a:spLocks noGrp="1" noRot="1" noChangeAspect="1"/>
+          </p:cNvSpPr>
+          <p:nvPr>
+            <p:ph type="sldImg"/>
+          </p:nvPr>
+        </p:nvSpPr>
+        <p:spPr/>
+      </p:sp>
+      <p:sp>
+        <p:nvSpPr>
+          <p:cNvPr id="3" name="Notes Placeholder 2"/>
+          <p:cNvSpPr>
+            <a:spLocks noGrp="1"/>
+          </p:cNvSpPr>
+          <p:nvPr>
+            <p:ph type="body" idx="1"/>
+          </p:nvPr>
+        </p:nvSpPr>
+        <p:spPr/>
+        <p:txBody>
+          <a:bodyPr/>
+          <a:lstStyle/>
+          <a:p>
+            <a:r>
+              <a:rPr lang="en-CA" b="1" dirty="0"/>
+              <a:t>How we put the application together</a:t>
+            </a:r>
+            <a:endParaRPr lang="en-US" dirty="0"/>
+          </a:p>
+        </p:txBody>
+      </p:sp>
+      <p:sp>
+        <p:nvSpPr>
+          <p:cNvPr id="4" name="Slide Number Placeholder 3"/>
+          <p:cNvSpPr>
+            <a:spLocks noGrp="1"/>
+          </p:cNvSpPr>
+          <p:nvPr>
+            <p:ph type="sldNum" sz="quarter" idx="5"/>
+          </p:nvPr>
+        </p:nvSpPr>
+        <p:spPr/>
+        <p:txBody>
+          <a:bodyPr/>
+          <a:lstStyle/>
+          <a:p>
+            <a:fld id="{87545D9D-5003-487E-82E0-F74B0DF04906}" type="slidenum">
+              <a:rPr lang="en-CA" smtClean="0"/>
+              <a:t>12</a:t>
+            </a:fld>
+            <a:endParaRPr lang="en-CA"/>
+          </a:p>
+        </p:txBody>
+      </p:sp>
+    </p:spTree>
+    <p:extLst>
+      <p:ext uri="{BB962C8B-B14F-4D97-AF65-F5344CB8AC3E}">
         <p14:creationId xmlns:p14="http://schemas.microsoft.com/office/powerpoint/2010/main" val="977288604"/>
       </p:ext>
     </p:extLst>
@@ -16824,7 +16991,7 @@
           <a:p>
             <a:fld id="{74F6F3D3-1745-0344-9322-C4FAE3731E48}" type="datetime1">
               <a:rPr lang="en-CA" smtClean="0"/>
-              <a:t>2018-11-18</a:t>
+              <a:t>2018-11-19</a:t>
             </a:fld>
             <a:endParaRPr lang="en-US"/>
           </a:p>
@@ -16981,7 +17148,7 @@
           <a:p>
             <a:fld id="{5FA78A3C-B9F8-6B4E-B337-963D26E92060}" type="datetime1">
               <a:rPr lang="en-CA" smtClean="0"/>
-              <a:t>2018-11-18</a:t>
+              <a:t>2018-11-19</a:t>
             </a:fld>
             <a:endParaRPr lang="en-US"/>
           </a:p>
@@ -17310,7 +17477,7 @@
           <a:p>
             <a:fld id="{82C5709A-A1EE-A943-9598-FF6383EA6C97}" type="datetime1">
               <a:rPr lang="en-CA" smtClean="0"/>
-              <a:t>2018-11-18</a:t>
+              <a:t>2018-11-19</a:t>
             </a:fld>
             <a:endParaRPr lang="en-US"/>
           </a:p>
@@ -17866,7 +18033,7 @@
           <a:p>
             <a:fld id="{F314DF02-8546-9248-9283-B5ACA0E30F36}" type="datetime1">
               <a:rPr lang="en-CA" smtClean="0"/>
-              <a:t>2018-11-18</a:t>
+              <a:t>2018-11-19</a:t>
             </a:fld>
             <a:endParaRPr lang="en-US"/>
           </a:p>
@@ -18248,7 +18415,7 @@
           <a:p>
             <a:fld id="{C568A606-0759-884E-9174-A17BF341E541}" type="datetime1">
               <a:rPr lang="en-CA" smtClean="0"/>
-              <a:t>2018-11-18</a:t>
+              <a:t>2018-11-19</a:t>
             </a:fld>
             <a:endParaRPr lang="en-US"/>
           </a:p>
@@ -18535,7 +18702,7 @@
           <a:p>
             <a:fld id="{2DB62C52-4A52-384F-934A-81FD53836B0A}" type="datetime1">
               <a:rPr lang="en-CA" smtClean="0"/>
-              <a:t>2018-11-18</a:t>
+              <a:t>2018-11-19</a:t>
             </a:fld>
             <a:endParaRPr lang="en-US"/>
           </a:p>
@@ -19022,7 +19189,7 @@
           <a:p>
             <a:fld id="{4A399250-EC7E-774E-B270-7B1EBBD60C52}" type="datetime1">
               <a:rPr lang="en-CA" smtClean="0"/>
-              <a:t>2018-11-18</a:t>
+              <a:t>2018-11-19</a:t>
             </a:fld>
             <a:endParaRPr lang="en-US"/>
           </a:p>
@@ -19440,7 +19607,7 @@
           <a:p>
             <a:fld id="{194F8514-F8F4-F543-BCF2-6009AEBF885D}" type="datetime1">
               <a:rPr lang="en-CA" smtClean="0"/>
-              <a:t>2018-11-18</a:t>
+              <a:t>2018-11-19</a:t>
             </a:fld>
             <a:endParaRPr lang="en-US"/>
           </a:p>
@@ -20056,7 +20223,7 @@
           <a:p>
             <a:fld id="{2566F936-CE1A-DD4C-9CA2-4748A018EFC9}" type="datetime1">
               <a:rPr lang="en-CA" smtClean="0"/>
-              <a:t>2018-11-18</a:t>
+              <a:t>2018-11-19</a:t>
             </a:fld>
             <a:endParaRPr lang="en-US"/>
           </a:p>
@@ -20450,7 +20617,7 @@
           <a:p>
             <a:fld id="{DCB77106-7786-F846-8A16-760B2CCF1549}" type="datetime1">
               <a:rPr lang="en-CA" smtClean="0"/>
-              <a:t>2018-11-18</a:t>
+              <a:t>2018-11-19</a:t>
             </a:fld>
             <a:endParaRPr lang="en-US"/>
           </a:p>
@@ -20864,7 +21031,7 @@
           <a:p>
             <a:fld id="{2A27DE3C-35EC-C64E-AC52-340733DFE3EF}" type="datetime1">
               <a:rPr lang="en-CA" smtClean="0"/>
-              <a:t>2018-11-18</a:t>
+              <a:t>2018-11-19</a:t>
             </a:fld>
             <a:endParaRPr lang="en-US"/>
           </a:p>
@@ -21371,7 +21538,7 @@
           <a:p>
             <a:fld id="{8A8A6B27-4ED5-C84C-AB25-3E0F536A0D84}" type="datetime1">
               <a:rPr lang="en-CA" smtClean="0"/>
-              <a:t>2018-11-18</a:t>
+              <a:t>2018-11-19</a:t>
             </a:fld>
             <a:endParaRPr lang="en-US"/>
           </a:p>
@@ -22603,6 +22770,260 @@
           <a:p>
             <a:r>
               <a:rPr lang="en-CA" dirty="0"/>
+              <a:t>Processing details</a:t>
+            </a:r>
+          </a:p>
+        </p:txBody>
+      </p:sp>
+      <p:sp>
+        <p:nvSpPr>
+          <p:cNvPr id="4" name="Slide Number Placeholder 3">
+            <a:extLst>
+              <a:ext uri="{FF2B5EF4-FFF2-40B4-BE49-F238E27FC236}">
+                <a16:creationId xmlns:a16="http://schemas.microsoft.com/office/drawing/2014/main" id="{297AF67A-9468-3948-928F-710B65918093}"/>
+              </a:ext>
+            </a:extLst>
+          </p:cNvPr>
+          <p:cNvSpPr>
+            <a:spLocks noGrp="1"/>
+          </p:cNvSpPr>
+          <p:nvPr>
+            <p:ph type="sldNum" sz="quarter" idx="12"/>
+          </p:nvPr>
+        </p:nvSpPr>
+        <p:spPr/>
+        <p:txBody>
+          <a:bodyPr/>
+          <a:lstStyle/>
+          <a:p>
+            <a:fld id="{330EA680-D336-4FF7-8B7A-9848BB0A1C32}" type="slidenum">
+              <a:rPr lang="en-US" smtClean="0"/>
+              <a:t>11</a:t>
+            </a:fld>
+            <a:endParaRPr lang="en-US"/>
+          </a:p>
+        </p:txBody>
+      </p:sp>
+      <p:sp>
+        <p:nvSpPr>
+          <p:cNvPr id="12" name="TextBox 11">
+            <a:extLst>
+              <a:ext uri="{FF2B5EF4-FFF2-40B4-BE49-F238E27FC236}">
+                <a16:creationId xmlns:a16="http://schemas.microsoft.com/office/drawing/2014/main" id="{778133D7-EC15-49E3-ACF1-C18DB9C8BDA4}"/>
+              </a:ext>
+            </a:extLst>
+          </p:cNvPr>
+          <p:cNvSpPr txBox="1"/>
+          <p:nvPr/>
+        </p:nvSpPr>
+        <p:spPr>
+          <a:xfrm>
+            <a:off x="489929" y="5408510"/>
+            <a:ext cx="1387811" cy="646331"/>
+          </a:xfrm>
+          <a:prstGeom prst="rect">
+            <a:avLst/>
+          </a:prstGeom>
+          <a:noFill/>
+        </p:spPr>
+        <p:txBody>
+          <a:bodyPr wrap="square" rtlCol="0">
+            <a:spAutoFit/>
+          </a:bodyPr>
+          <a:lstStyle/>
+          <a:p>
+            <a:r>
+              <a:rPr lang="en-US" sz="1200" dirty="0"/>
+              <a:t>30 topics identified by LDA</a:t>
+            </a:r>
+          </a:p>
+          <a:p>
+            <a:r>
+              <a:rPr lang="en-US" sz="1200" dirty="0"/>
+              <a:t>. </a:t>
+            </a:r>
+          </a:p>
+        </p:txBody>
+      </p:sp>
+      <p:pic>
+        <p:nvPicPr>
+          <p:cNvPr id="5" name="Picture 4">
+            <a:extLst>
+              <a:ext uri="{FF2B5EF4-FFF2-40B4-BE49-F238E27FC236}">
+                <a16:creationId xmlns:a16="http://schemas.microsoft.com/office/drawing/2014/main" id="{88BA46BE-4C8B-43F8-9537-D68619C68777}"/>
+              </a:ext>
+            </a:extLst>
+          </p:cNvPr>
+          <p:cNvPicPr>
+            <a:picLocks noChangeAspect="1"/>
+          </p:cNvPicPr>
+          <p:nvPr/>
+        </p:nvPicPr>
+        <p:blipFill>
+          <a:blip r:embed="rId3"/>
+          <a:stretch>
+            <a:fillRect/>
+          </a:stretch>
+        </p:blipFill>
+        <p:spPr>
+          <a:xfrm>
+            <a:off x="332361" y="1209000"/>
+            <a:ext cx="5520250" cy="3226813"/>
+          </a:xfrm>
+          <a:prstGeom prst="rect">
+            <a:avLst/>
+          </a:prstGeom>
+        </p:spPr>
+      </p:pic>
+      <p:pic>
+        <p:nvPicPr>
+          <p:cNvPr id="6" name="Picture 5">
+            <a:extLst>
+              <a:ext uri="{FF2B5EF4-FFF2-40B4-BE49-F238E27FC236}">
+                <a16:creationId xmlns:a16="http://schemas.microsoft.com/office/drawing/2014/main" id="{FEAE0231-8C90-4EFB-976C-D209E79E389D}"/>
+              </a:ext>
+            </a:extLst>
+          </p:cNvPr>
+          <p:cNvPicPr>
+            <a:picLocks noChangeAspect="1"/>
+          </p:cNvPicPr>
+          <p:nvPr/>
+        </p:nvPicPr>
+        <p:blipFill>
+          <a:blip r:embed="rId4"/>
+          <a:stretch>
+            <a:fillRect/>
+          </a:stretch>
+        </p:blipFill>
+        <p:spPr>
+          <a:xfrm>
+            <a:off x="5852585" y="933777"/>
+            <a:ext cx="5655236" cy="5092526"/>
+          </a:xfrm>
+          <a:prstGeom prst="rect">
+            <a:avLst/>
+          </a:prstGeom>
+        </p:spPr>
+      </p:pic>
+      <p:sp>
+        <p:nvSpPr>
+          <p:cNvPr id="13" name="TextBox 12">
+            <a:extLst>
+              <a:ext uri="{FF2B5EF4-FFF2-40B4-BE49-F238E27FC236}">
+                <a16:creationId xmlns:a16="http://schemas.microsoft.com/office/drawing/2014/main" id="{DB5DD844-3126-4C62-8376-DBA19225EAAC}"/>
+              </a:ext>
+            </a:extLst>
+          </p:cNvPr>
+          <p:cNvSpPr txBox="1"/>
+          <p:nvPr/>
+        </p:nvSpPr>
+        <p:spPr>
+          <a:xfrm>
+            <a:off x="10272410" y="489164"/>
+            <a:ext cx="1155934" cy="461665"/>
+          </a:xfrm>
+          <a:prstGeom prst="rect">
+            <a:avLst/>
+          </a:prstGeom>
+          <a:noFill/>
+        </p:spPr>
+        <p:txBody>
+          <a:bodyPr wrap="square" rtlCol="0">
+            <a:spAutoFit/>
+          </a:bodyPr>
+          <a:lstStyle/>
+          <a:p>
+            <a:pPr algn="r"/>
+            <a:r>
+              <a:rPr lang="en-US" sz="1200" dirty="0"/>
+              <a:t>32 clusters of applications</a:t>
+            </a:r>
+          </a:p>
+        </p:txBody>
+      </p:sp>
+      <p:pic>
+        <p:nvPicPr>
+          <p:cNvPr id="11" name="Picture 10">
+            <a:extLst>
+              <a:ext uri="{FF2B5EF4-FFF2-40B4-BE49-F238E27FC236}">
+                <a16:creationId xmlns:a16="http://schemas.microsoft.com/office/drawing/2014/main" id="{E2001ABB-1EE4-4FA8-B8D7-AACE3413DD84}"/>
+              </a:ext>
+            </a:extLst>
+          </p:cNvPr>
+          <p:cNvPicPr>
+            <a:picLocks noChangeAspect="1"/>
+          </p:cNvPicPr>
+          <p:nvPr/>
+        </p:nvPicPr>
+        <p:blipFill>
+          <a:blip r:embed="rId5"/>
+          <a:stretch>
+            <a:fillRect/>
+          </a:stretch>
+        </p:blipFill>
+        <p:spPr>
+          <a:xfrm>
+            <a:off x="489929" y="489164"/>
+            <a:ext cx="5315827" cy="4906917"/>
+          </a:xfrm>
+          <a:prstGeom prst="rect">
+            <a:avLst/>
+          </a:prstGeom>
+        </p:spPr>
+      </p:pic>
+    </p:spTree>
+    <p:extLst>
+      <p:ext uri="{BB962C8B-B14F-4D97-AF65-F5344CB8AC3E}">
+        <p14:creationId xmlns:p14="http://schemas.microsoft.com/office/powerpoint/2010/main" val="3790777841"/>
+      </p:ext>
+    </p:extLst>
+  </p:cSld>
+  <p:clrMapOvr>
+    <a:masterClrMapping/>
+  </p:clrMapOvr>
+</p:sld>
+</file>
+
+<file path=ppt/slides/slide12.xml><?xml version="1.0" encoding="utf-8"?>
+<p:sld xmlns:a="http://schemas.openxmlformats.org/drawingml/2006/main" xmlns:r="http://schemas.openxmlformats.org/officeDocument/2006/relationships" xmlns:p="http://schemas.openxmlformats.org/presentationml/2006/main">
+  <p:cSld>
+    <p:spTree>
+      <p:nvGrpSpPr>
+        <p:cNvPr id="1" name=""/>
+        <p:cNvGrpSpPr/>
+        <p:nvPr/>
+      </p:nvGrpSpPr>
+      <p:grpSpPr>
+        <a:xfrm>
+          <a:off x="0" y="0"/>
+          <a:ext cx="0" cy="0"/>
+          <a:chOff x="0" y="0"/>
+          <a:chExt cx="0" cy="0"/>
+        </a:xfrm>
+      </p:grpSpPr>
+      <p:sp>
+        <p:nvSpPr>
+          <p:cNvPr id="2" name="Title 1">
+            <a:extLst>
+              <a:ext uri="{FF2B5EF4-FFF2-40B4-BE49-F238E27FC236}">
+                <a16:creationId xmlns:a16="http://schemas.microsoft.com/office/drawing/2014/main" id="{F2F75D6C-36D2-467B-8918-BDB0D2F1F352}"/>
+              </a:ext>
+            </a:extLst>
+          </p:cNvPr>
+          <p:cNvSpPr>
+            <a:spLocks noGrp="1"/>
+          </p:cNvSpPr>
+          <p:nvPr>
+            <p:ph type="title"/>
+          </p:nvPr>
+        </p:nvSpPr>
+        <p:spPr/>
+        <p:txBody>
+          <a:bodyPr/>
+          <a:lstStyle/>
+          <a:p>
+            <a:r>
+              <a:rPr lang="en-CA" dirty="0"/>
               <a:t>Decision and evaluation</a:t>
             </a:r>
           </a:p>
@@ -22631,7 +23052,7 @@
           <a:p>
             <a:fld id="{330EA680-D336-4FF7-8B7A-9848BB0A1C32}" type="slidenum">
               <a:rPr lang="en-US" smtClean="0"/>
-              <a:t>11</a:t>
+              <a:t>12</a:t>
             </a:fld>
             <a:endParaRPr lang="en-US"/>
           </a:p>
@@ -22760,7 +23181,7 @@
 </p:sld>
 </file>
 
-<file path=ppt/slides/slide12.xml><?xml version="1.0" encoding="utf-8"?>
+<file path=ppt/slides/slide13.xml><?xml version="1.0" encoding="utf-8"?>
 <p:sld xmlns:a="http://schemas.openxmlformats.org/drawingml/2006/main" xmlns:r="http://schemas.openxmlformats.org/officeDocument/2006/relationships" xmlns:p="http://schemas.openxmlformats.org/presentationml/2006/main">
   <p:cSld>
     <p:spTree>
@@ -22931,7 +23352,7 @@
           <a:p>
             <a:fld id="{330EA680-D336-4FF7-8B7A-9848BB0A1C32}" type="slidenum">
               <a:rPr lang="en-US" smtClean="0"/>
-              <a:t>12</a:t>
+              <a:t>13</a:t>
             </a:fld>
             <a:endParaRPr lang="en-US"/>
           </a:p>
@@ -22950,7 +23371,7 @@
 </p:sld>
 </file>
 
-<file path=ppt/slides/slide13.xml><?xml version="1.0" encoding="utf-8"?>
+<file path=ppt/slides/slide14.xml><?xml version="1.0" encoding="utf-8"?>
 <p:sld xmlns:a="http://schemas.openxmlformats.org/drawingml/2006/main" xmlns:r="http://schemas.openxmlformats.org/officeDocument/2006/relationships" xmlns:p="http://schemas.openxmlformats.org/presentationml/2006/main">
   <p:cSld>
     <p:spTree>
@@ -23037,11 +23458,11 @@
           <a:p>
             <a:r>
               <a:rPr lang="en-CA" dirty="0"/>
-              <a:t>Top 150 but easily reproducible data </a:t>
+              <a:t>Top 150 but easily reproducible </a:t>
             </a:r>
             <a:r>
-              <a:rPr lang="en-CA" dirty="0" err="1"/>
-              <a:t>sampl</a:t>
+              <a:rPr lang="en-CA"/>
+              <a:t>data sample</a:t>
             </a:r>
             <a:endParaRPr lang="en-CA" dirty="0"/>
           </a:p>
@@ -23100,7 +23521,7 @@
           <a:p>
             <a:fld id="{330EA680-D336-4FF7-8B7A-9848BB0A1C32}" type="slidenum">
               <a:rPr lang="en-US" smtClean="0"/>
-              <a:t>13</a:t>
+              <a:t>14</a:t>
             </a:fld>
             <a:endParaRPr lang="en-US"/>
           </a:p>
@@ -23119,7 +23540,7 @@
 </p:sld>
 </file>
 
-<file path=ppt/slides/slide14.xml><?xml version="1.0" encoding="utf-8"?>
+<file path=ppt/slides/slide15.xml><?xml version="1.0" encoding="utf-8"?>
 <p:sld xmlns:a="http://schemas.openxmlformats.org/drawingml/2006/main" xmlns:r="http://schemas.openxmlformats.org/officeDocument/2006/relationships" xmlns:p="http://schemas.openxmlformats.org/presentationml/2006/main">
   <p:cSld>
     <p:spTree>
@@ -23296,7 +23717,7 @@
           <a:p>
             <a:fld id="{330EA680-D336-4FF7-8B7A-9848BB0A1C32}" type="slidenum">
               <a:rPr lang="en-US" smtClean="0"/>
-              <a:t>14</a:t>
+              <a:t>15</a:t>
             </a:fld>
             <a:endParaRPr lang="en-US"/>
           </a:p>
@@ -23315,7 +23736,7 @@
 </p:sld>
 </file>
 
-<file path=ppt/slides/slide15.xml><?xml version="1.0" encoding="utf-8"?>
+<file path=ppt/slides/slide16.xml><?xml version="1.0" encoding="utf-8"?>
 <p:sld xmlns:a="http://schemas.openxmlformats.org/drawingml/2006/main" xmlns:r="http://schemas.openxmlformats.org/officeDocument/2006/relationships" xmlns:p="http://schemas.openxmlformats.org/presentationml/2006/main">
   <p:cSld>
     <p:spTree>
@@ -23427,7 +23848,7 @@
           <a:p>
             <a:fld id="{330EA680-D336-4FF7-8B7A-9848BB0A1C32}" type="slidenum">
               <a:rPr lang="en-US" smtClean="0"/>
-              <a:t>15</a:t>
+              <a:t>16</a:t>
             </a:fld>
             <a:endParaRPr lang="en-US"/>
           </a:p>
@@ -23918,8 +24339,13 @@
           <a:p>
             <a:r>
               <a:rPr lang="en-CA" dirty="0"/>
-              <a:t>Sending the contact list to a server? WhatsApp</a:t>
+              <a:t>Sending the contact list to a server? </a:t>
             </a:r>
+            <a:r>
+              <a:rPr lang="en-CA" sz="1400" i="1" dirty="0"/>
+              <a:t>WhatsApp</a:t>
+            </a:r>
+            <a:endParaRPr lang="en-CA" i="1" dirty="0"/>
           </a:p>
           <a:p>
             <a:endParaRPr lang="en-CA" dirty="0"/>
@@ -24173,6 +24599,36 @@
       </p:grpSpPr>
       <p:pic>
         <p:nvPicPr>
+          <p:cNvPr id="3" name="Picture 2">
+            <a:extLst>
+              <a:ext uri="{FF2B5EF4-FFF2-40B4-BE49-F238E27FC236}">
+                <a16:creationId xmlns:a16="http://schemas.microsoft.com/office/drawing/2014/main" id="{7DC04B4E-7F36-41B7-ACDD-6D4169399C52}"/>
+              </a:ext>
+            </a:extLst>
+          </p:cNvPr>
+          <p:cNvPicPr>
+            <a:picLocks noChangeAspect="1"/>
+          </p:cNvPicPr>
+          <p:nvPr/>
+        </p:nvPicPr>
+        <p:blipFill>
+          <a:blip r:embed="rId2"/>
+          <a:stretch>
+            <a:fillRect/>
+          </a:stretch>
+        </p:blipFill>
+        <p:spPr>
+          <a:xfrm>
+            <a:off x="0" y="4042286"/>
+            <a:ext cx="6950988" cy="1785140"/>
+          </a:xfrm>
+          <a:prstGeom prst="rect">
+            <a:avLst/>
+          </a:prstGeom>
+        </p:spPr>
+      </p:pic>
+      <p:pic>
+        <p:nvPicPr>
           <p:cNvPr id="8" name="Picture 7">
             <a:extLst>
               <a:ext uri="{FF2B5EF4-FFF2-40B4-BE49-F238E27FC236}">
@@ -24186,7 +24642,7 @@
           <p:nvPr/>
         </p:nvPicPr>
         <p:blipFill>
-          <a:blip r:embed="rId2"/>
+          <a:blip r:embed="rId3"/>
           <a:stretch>
             <a:fillRect/>
           </a:stretch>
@@ -24250,7 +24706,7 @@
           <p:nvPr/>
         </p:nvPicPr>
         <p:blipFill>
-          <a:blip r:embed="rId3"/>
+          <a:blip r:embed="rId4"/>
           <a:stretch>
             <a:fillRect/>
           </a:stretch>
@@ -24270,6 +24726,36 @@
               </a:srgbClr>
             </a:outerShdw>
           </a:effectLst>
+        </p:spPr>
+      </p:pic>
+      <p:pic>
+        <p:nvPicPr>
+          <p:cNvPr id="2" name="Picture 1">
+            <a:extLst>
+              <a:ext uri="{FF2B5EF4-FFF2-40B4-BE49-F238E27FC236}">
+                <a16:creationId xmlns:a16="http://schemas.microsoft.com/office/drawing/2014/main" id="{7FD42FA5-60D7-4C7A-962B-DAD923E90CE6}"/>
+              </a:ext>
+            </a:extLst>
+          </p:cNvPr>
+          <p:cNvPicPr>
+            <a:picLocks noChangeAspect="1"/>
+          </p:cNvPicPr>
+          <p:nvPr/>
+        </p:nvPicPr>
+        <p:blipFill>
+          <a:blip r:embed="rId5"/>
+          <a:stretch>
+            <a:fillRect/>
+          </a:stretch>
+        </p:blipFill>
+        <p:spPr>
+          <a:xfrm>
+            <a:off x="6466765" y="1192932"/>
+            <a:ext cx="6070637" cy="1521085"/>
+          </a:xfrm>
+          <a:prstGeom prst="rect">
+            <a:avLst/>
+          </a:prstGeom>
         </p:spPr>
       </p:pic>
     </p:spTree>
